--- a/Angular/Angular 2 - Akash Kale.pptx
+++ b/Angular/Angular 2 - Akash Kale.pptx
@@ -219,7 +219,49 @@
       </a:defRPr>
     </a:lvl9pPr>
   </p:defaultTextStyle>
+  <p:extLst>
+    <p:ext uri="{EFAFB233-063F-42B5-8137-9DF3F51BA10A}">
+      <p15:sldGuideLst xmlns:p15="http://schemas.microsoft.com/office/powerpoint/2012/main">
+        <p15:guide id="1" orient="horz" pos="2160">
+          <p15:clr>
+            <a:srgbClr val="A4A3A4"/>
+          </p15:clr>
+        </p15:guide>
+        <p15:guide id="2" pos="2880">
+          <p15:clr>
+            <a:srgbClr val="A4A3A4"/>
+          </p15:clr>
+        </p15:guide>
+      </p15:sldGuideLst>
+    </p:ext>
+  </p:extLst>
 </p:presentation>
+</file>
+
+<file path=ppt/ink/ink1.xml><?xml version="1.0" encoding="utf-8"?>
+<inkml:ink xmlns:inkml="http://www.w3.org/2003/InkML">
+  <inkml:definitions>
+    <inkml:context xml:id="ctx0">
+      <inkml:inkSource xml:id="inkSrc0">
+        <inkml:traceFormat>
+          <inkml:channel name="X" type="integer" max="2390" units="cm"/>
+          <inkml:channel name="Y" type="integer" max="768" units="cm"/>
+        </inkml:traceFormat>
+        <inkml:channelProperties>
+          <inkml:channelProperty channel="X" name="resolution" value="69.47675" units="1/cm"/>
+          <inkml:channelProperty channel="Y" name="resolution" value="39.79275" units="1/cm"/>
+        </inkml:channelProperties>
+      </inkml:inkSource>
+      <inkml:timestamp xml:id="ts0" timeString="2019-11-05T05:19:24.529"/>
+    </inkml:context>
+    <inkml:brush xml:id="br0">
+      <inkml:brushProperty name="width" value="0.05292" units="cm"/>
+      <inkml:brushProperty name="height" value="0.05292" units="cm"/>
+      <inkml:brushProperty name="color" value="#FF0000"/>
+    </inkml:brush>
+  </inkml:definitions>
+  <inkml:trace contextRef="#ctx0" brushRef="#br0">3645 7486,'196'0,"235"0,275 118,-40 156,-195-195,-315-79,-116 0,508-314,315 40,-275 195,-157 79,-157 0,-117 39,-79-39,1-39,78-39,-40 78,-38 0,-1 0,-39 0,-39 39,0 0,0 0</inkml:trace>
+</inkml:ink>
 </file>
 
 <file path=ppt/notesMasters/notesMaster1.xml><?xml version="1.0" encoding="utf-8"?>
@@ -305,7 +347,7 @@
             <a:fld id="{5C661FEB-BFAE-4B20-9DFE-900EE9A4A1DD}" type="datetimeFigureOut">
               <a:rPr lang="en-IN" smtClean="0"/>
               <a:pPr/>
-              <a:t>03-03-2018</a:t>
+              <a:t>05-11-2019</a:t>
             </a:fld>
             <a:endParaRPr lang="en-IN"/>
           </a:p>
@@ -474,6 +516,11 @@
         </p:txBody>
       </p:sp>
     </p:spTree>
+    <p:extLst>
+      <p:ext uri="{BB962C8B-B14F-4D97-AF65-F5344CB8AC3E}">
+        <p14:creationId xmlns:p14="http://schemas.microsoft.com/office/powerpoint/2010/main" val="192574155"/>
+      </p:ext>
+    </p:extLst>
   </p:cSld>
   <p:clrMap bg1="lt1" tx1="dk1" bg2="lt2" tx2="dk2" accent1="accent1" accent2="accent2" accent3="accent3" accent4="accent4" accent5="accent5" accent6="accent6" hlink="hlink" folHlink="folHlink"/>
   <p:notesStyle>
@@ -669,6 +716,11 @@
         </p:txBody>
       </p:sp>
     </p:spTree>
+    <p:extLst>
+      <p:ext uri="{BB962C8B-B14F-4D97-AF65-F5344CB8AC3E}">
+        <p14:creationId xmlns:p14="http://schemas.microsoft.com/office/powerpoint/2010/main" val="3999060286"/>
+      </p:ext>
+    </p:extLst>
   </p:cSld>
   <p:clrMapOvr>
     <a:masterClrMapping/>
@@ -751,6 +803,11 @@
         </p:txBody>
       </p:sp>
     </p:spTree>
+    <p:extLst>
+      <p:ext uri="{BB962C8B-B14F-4D97-AF65-F5344CB8AC3E}">
+        <p14:creationId xmlns:p14="http://schemas.microsoft.com/office/powerpoint/2010/main" val="3417871408"/>
+      </p:ext>
+    </p:extLst>
   </p:cSld>
   <p:clrMapOvr>
     <a:masterClrMapping/>
@@ -833,6 +890,11 @@
         </p:txBody>
       </p:sp>
     </p:spTree>
+    <p:extLst>
+      <p:ext uri="{BB962C8B-B14F-4D97-AF65-F5344CB8AC3E}">
+        <p14:creationId xmlns:p14="http://schemas.microsoft.com/office/powerpoint/2010/main" val="2165466290"/>
+      </p:ext>
+    </p:extLst>
   </p:cSld>
   <p:clrMapOvr>
     <a:masterClrMapping/>
@@ -915,6 +977,11 @@
         </p:txBody>
       </p:sp>
     </p:spTree>
+    <p:extLst>
+      <p:ext uri="{BB962C8B-B14F-4D97-AF65-F5344CB8AC3E}">
+        <p14:creationId xmlns:p14="http://schemas.microsoft.com/office/powerpoint/2010/main" val="3002062541"/>
+      </p:ext>
+    </p:extLst>
   </p:cSld>
   <p:clrMapOvr>
     <a:masterClrMapping/>
@@ -997,6 +1064,11 @@
         </p:txBody>
       </p:sp>
     </p:spTree>
+    <p:extLst>
+      <p:ext uri="{BB962C8B-B14F-4D97-AF65-F5344CB8AC3E}">
+        <p14:creationId xmlns:p14="http://schemas.microsoft.com/office/powerpoint/2010/main" val="4215436079"/>
+      </p:ext>
+    </p:extLst>
   </p:cSld>
   <p:clrMapOvr>
     <a:masterClrMapping/>
@@ -1079,6 +1151,11 @@
         </p:txBody>
       </p:sp>
     </p:spTree>
+    <p:extLst>
+      <p:ext uri="{BB962C8B-B14F-4D97-AF65-F5344CB8AC3E}">
+        <p14:creationId xmlns:p14="http://schemas.microsoft.com/office/powerpoint/2010/main" val="2495313564"/>
+      </p:ext>
+    </p:extLst>
   </p:cSld>
   <p:clrMapOvr>
     <a:masterClrMapping/>
@@ -1161,6 +1238,11 @@
         </p:txBody>
       </p:sp>
     </p:spTree>
+    <p:extLst>
+      <p:ext uri="{BB962C8B-B14F-4D97-AF65-F5344CB8AC3E}">
+        <p14:creationId xmlns:p14="http://schemas.microsoft.com/office/powerpoint/2010/main" val="404268610"/>
+      </p:ext>
+    </p:extLst>
   </p:cSld>
   <p:clrMapOvr>
     <a:masterClrMapping/>
@@ -1243,6 +1325,11 @@
         </p:txBody>
       </p:sp>
     </p:spTree>
+    <p:extLst>
+      <p:ext uri="{BB962C8B-B14F-4D97-AF65-F5344CB8AC3E}">
+        <p14:creationId xmlns:p14="http://schemas.microsoft.com/office/powerpoint/2010/main" val="1582727226"/>
+      </p:ext>
+    </p:extLst>
   </p:cSld>
   <p:clrMapOvr>
     <a:masterClrMapping/>
@@ -1325,6 +1412,11 @@
         </p:txBody>
       </p:sp>
     </p:spTree>
+    <p:extLst>
+      <p:ext uri="{BB962C8B-B14F-4D97-AF65-F5344CB8AC3E}">
+        <p14:creationId xmlns:p14="http://schemas.microsoft.com/office/powerpoint/2010/main" val="3691134627"/>
+      </p:ext>
+    </p:extLst>
   </p:cSld>
   <p:clrMapOvr>
     <a:masterClrMapping/>
@@ -1407,6 +1499,11 @@
         </p:txBody>
       </p:sp>
     </p:spTree>
+    <p:extLst>
+      <p:ext uri="{BB962C8B-B14F-4D97-AF65-F5344CB8AC3E}">
+        <p14:creationId xmlns:p14="http://schemas.microsoft.com/office/powerpoint/2010/main" val="1148689447"/>
+      </p:ext>
+    </p:extLst>
   </p:cSld>
   <p:clrMapOvr>
     <a:masterClrMapping/>
@@ -1489,6 +1586,11 @@
         </p:txBody>
       </p:sp>
     </p:spTree>
+    <p:extLst>
+      <p:ext uri="{BB962C8B-B14F-4D97-AF65-F5344CB8AC3E}">
+        <p14:creationId xmlns:p14="http://schemas.microsoft.com/office/powerpoint/2010/main" val="2356863658"/>
+      </p:ext>
+    </p:extLst>
   </p:cSld>
   <p:clrMapOvr>
     <a:masterClrMapping/>
@@ -1571,6 +1673,11 @@
         </p:txBody>
       </p:sp>
     </p:spTree>
+    <p:extLst>
+      <p:ext uri="{BB962C8B-B14F-4D97-AF65-F5344CB8AC3E}">
+        <p14:creationId xmlns:p14="http://schemas.microsoft.com/office/powerpoint/2010/main" val="3383215250"/>
+      </p:ext>
+    </p:extLst>
   </p:cSld>
   <p:clrMapOvr>
     <a:masterClrMapping/>
@@ -1653,6 +1760,11 @@
         </p:txBody>
       </p:sp>
     </p:spTree>
+    <p:extLst>
+      <p:ext uri="{BB962C8B-B14F-4D97-AF65-F5344CB8AC3E}">
+        <p14:creationId xmlns:p14="http://schemas.microsoft.com/office/powerpoint/2010/main" val="4146531693"/>
+      </p:ext>
+    </p:extLst>
   </p:cSld>
   <p:clrMapOvr>
     <a:masterClrMapping/>
@@ -1735,6 +1847,11 @@
         </p:txBody>
       </p:sp>
     </p:spTree>
+    <p:extLst>
+      <p:ext uri="{BB962C8B-B14F-4D97-AF65-F5344CB8AC3E}">
+        <p14:creationId xmlns:p14="http://schemas.microsoft.com/office/powerpoint/2010/main" val="197051440"/>
+      </p:ext>
+    </p:extLst>
   </p:cSld>
   <p:clrMapOvr>
     <a:masterClrMapping/>
@@ -1817,6 +1934,11 @@
         </p:txBody>
       </p:sp>
     </p:spTree>
+    <p:extLst>
+      <p:ext uri="{BB962C8B-B14F-4D97-AF65-F5344CB8AC3E}">
+        <p14:creationId xmlns:p14="http://schemas.microsoft.com/office/powerpoint/2010/main" val="192112367"/>
+      </p:ext>
+    </p:extLst>
   </p:cSld>
   <p:clrMapOvr>
     <a:masterClrMapping/>
@@ -1899,6 +2021,11 @@
         </p:txBody>
       </p:sp>
     </p:spTree>
+    <p:extLst>
+      <p:ext uri="{BB962C8B-B14F-4D97-AF65-F5344CB8AC3E}">
+        <p14:creationId xmlns:p14="http://schemas.microsoft.com/office/powerpoint/2010/main" val="1273485646"/>
+      </p:ext>
+    </p:extLst>
   </p:cSld>
   <p:clrMapOvr>
     <a:masterClrMapping/>
@@ -1981,6 +2108,11 @@
         </p:txBody>
       </p:sp>
     </p:spTree>
+    <p:extLst>
+      <p:ext uri="{BB962C8B-B14F-4D97-AF65-F5344CB8AC3E}">
+        <p14:creationId xmlns:p14="http://schemas.microsoft.com/office/powerpoint/2010/main" val="576765290"/>
+      </p:ext>
+    </p:extLst>
   </p:cSld>
   <p:clrMapOvr>
     <a:masterClrMapping/>
@@ -2183,7 +2315,7 @@
             <a:fld id="{1D8BD707-D9CF-40AE-B4C6-C98DA3205C09}" type="datetimeFigureOut">
               <a:rPr lang="en-US" smtClean="0"/>
               <a:pPr/>
-              <a:t>3/3/2018</a:t>
+              <a:t>11/5/2019</a:t>
             </a:fld>
             <a:endParaRPr lang="en-US"/>
           </a:p>
@@ -2538,7 +2670,7 @@
             <a:fld id="{1D8BD707-D9CF-40AE-B4C6-C98DA3205C09}" type="datetimeFigureOut">
               <a:rPr lang="en-US" smtClean="0"/>
               <a:pPr/>
-              <a:t>3/3/2018</a:t>
+              <a:t>11/5/2019</a:t>
             </a:fld>
             <a:endParaRPr lang="en-US"/>
           </a:p>
@@ -2715,7 +2847,7 @@
             <a:fld id="{1D8BD707-D9CF-40AE-B4C6-C98DA3205C09}" type="datetimeFigureOut">
               <a:rPr lang="en-US" smtClean="0"/>
               <a:pPr/>
-              <a:t>3/3/2018</a:t>
+              <a:t>11/5/2019</a:t>
             </a:fld>
             <a:endParaRPr lang="en-US"/>
           </a:p>
@@ -2830,7 +2962,7 @@
             <a:fld id="{1D8BD707-D9CF-40AE-B4C6-C98DA3205C09}" type="datetimeFigureOut">
               <a:rPr lang="en-US" smtClean="0"/>
               <a:pPr/>
-              <a:t>3/3/2018</a:t>
+              <a:t>11/5/2019</a:t>
             </a:fld>
             <a:endParaRPr lang="en-US"/>
           </a:p>
@@ -3190,7 +3322,7 @@
             <a:fld id="{1D8BD707-D9CF-40AE-B4C6-C98DA3205C09}" type="datetimeFigureOut">
               <a:rPr lang="en-US" smtClean="0"/>
               <a:pPr/>
-              <a:t>3/3/2018</a:t>
+              <a:t>11/5/2019</a:t>
             </a:fld>
             <a:endParaRPr lang="en-US"/>
           </a:p>
@@ -3457,7 +3589,7 @@
             <a:fld id="{1D8BD707-D9CF-40AE-B4C6-C98DA3205C09}" type="datetimeFigureOut">
               <a:rPr lang="en-US" smtClean="0"/>
               <a:pPr/>
-              <a:t>3/3/2018</a:t>
+              <a:t>11/5/2019</a:t>
             </a:fld>
             <a:endParaRPr lang="en-US"/>
           </a:p>
@@ -3821,7 +3953,7 @@
             <a:fld id="{1D8BD707-D9CF-40AE-B4C6-C98DA3205C09}" type="datetimeFigureOut">
               <a:rPr lang="en-US" smtClean="0"/>
               <a:pPr/>
-              <a:t>3/3/2018</a:t>
+              <a:t>11/5/2019</a:t>
             </a:fld>
             <a:endParaRPr lang="en-US"/>
           </a:p>
@@ -4050,7 +4182,7 @@
             <a:fld id="{1D8BD707-D9CF-40AE-B4C6-C98DA3205C09}" type="datetimeFigureOut">
               <a:rPr lang="en-US" smtClean="0"/>
               <a:pPr/>
-              <a:t>3/3/2018</a:t>
+              <a:t>11/5/2019</a:t>
             </a:fld>
             <a:endParaRPr lang="en-US"/>
           </a:p>
@@ -4142,7 +4274,7 @@
             <a:fld id="{1D8BD707-D9CF-40AE-B4C6-C98DA3205C09}" type="datetimeFigureOut">
               <a:rPr lang="en-US" smtClean="0"/>
               <a:pPr/>
-              <a:t>3/3/2018</a:t>
+              <a:t>11/5/2019</a:t>
             </a:fld>
             <a:endParaRPr lang="en-US"/>
           </a:p>
@@ -4411,7 +4543,7 @@
             <a:fld id="{1D8BD707-D9CF-40AE-B4C6-C98DA3205C09}" type="datetimeFigureOut">
               <a:rPr lang="en-US" smtClean="0"/>
               <a:pPr/>
-              <a:t>3/3/2018</a:t>
+              <a:t>11/5/2019</a:t>
             </a:fld>
             <a:endParaRPr lang="en-US"/>
           </a:p>
@@ -4641,7 +4773,7 @@
             <a:fld id="{1D8BD707-D9CF-40AE-B4C6-C98DA3205C09}" type="datetimeFigureOut">
               <a:rPr lang="en-US" smtClean="0"/>
               <a:pPr/>
-              <a:t>3/3/2018</a:t>
+              <a:t>11/5/2019</a:t>
             </a:fld>
             <a:endParaRPr lang="en-US"/>
           </a:p>
@@ -5142,7 +5274,7 @@
             <a:fld id="{1D8BD707-D9CF-40AE-B4C6-C98DA3205C09}" type="datetimeFigureOut">
               <a:rPr lang="en-US" smtClean="0"/>
               <a:pPr/>
-              <a:t>3/3/2018</a:t>
+              <a:t>11/5/2019</a:t>
             </a:fld>
             <a:endParaRPr lang="en-US"/>
           </a:p>
@@ -16262,6 +16394,13 @@
   <p:clrMapOvr>
     <a:masterClrMapping/>
   </p:clrMapOvr>
+  <p:timing>
+    <p:tnLst>
+      <p:par>
+        <p:cTn id="1" dur="indefinite" restart="never" nodeType="tmRoot"/>
+      </p:par>
+    </p:tnLst>
+  </p:timing>
 </p:sld>
 </file>
 
@@ -16319,6 +16458,13 @@
   <p:clrMapOvr>
     <a:masterClrMapping/>
   </p:clrMapOvr>
+  <p:timing>
+    <p:tnLst>
+      <p:par>
+        <p:cTn id="1" dur="indefinite" restart="never" nodeType="tmRoot"/>
+      </p:par>
+    </p:tnLst>
+  </p:timing>
 </p:sld>
 </file>
 
@@ -16506,6 +16652,13 @@
   <p:clrMapOvr>
     <a:masterClrMapping/>
   </p:clrMapOvr>
+  <p:timing>
+    <p:tnLst>
+      <p:par>
+        <p:cTn id="1" dur="indefinite" restart="never" nodeType="tmRoot"/>
+      </p:par>
+    </p:tnLst>
+  </p:timing>
 </p:sld>
 </file>
 
@@ -16563,6 +16716,13 @@
   <p:clrMapOvr>
     <a:masterClrMapping/>
   </p:clrMapOvr>
+  <p:timing>
+    <p:tnLst>
+      <p:par>
+        <p:cTn id="1" dur="indefinite" restart="never" nodeType="tmRoot"/>
+      </p:par>
+    </p:tnLst>
+  </p:timing>
 </p:sld>
 </file>
 
@@ -19476,6 +19636,13 @@
   <p:clrMapOvr>
     <a:masterClrMapping/>
   </p:clrMapOvr>
+  <p:timing>
+    <p:tnLst>
+      <p:par>
+        <p:cTn id="1" dur="indefinite" restart="never" nodeType="tmRoot"/>
+      </p:par>
+    </p:tnLst>
+  </p:timing>
 </p:sld>
 </file>
 
@@ -19556,6 +19723,45 @@
           </a:p>
         </p:txBody>
       </p:sp>
+      <mc:AlternateContent xmlns:mc="http://schemas.openxmlformats.org/markup-compatibility/2006">
+        <mc:Choice xmlns:p14="http://schemas.microsoft.com/office/powerpoint/2010/main" Requires="p14">
+          <p:contentPart p14:bwMode="auto" r:id="rId2">
+            <p14:nvContentPartPr>
+              <p14:cNvPr id="4" name="Ink 3"/>
+              <p14:cNvContentPartPr/>
+              <p14:nvPr/>
+            </p14:nvContentPartPr>
+            <p14:xfrm>
+              <a:off x="1312200" y="2596320"/>
+              <a:ext cx="2215800" cy="268560"/>
+            </p14:xfrm>
+          </p:contentPart>
+        </mc:Choice>
+        <mc:Fallback>
+          <p:pic>
+            <p:nvPicPr>
+              <p:cNvPr id="4" name="Ink 3"/>
+              <p:cNvPicPr/>
+              <p:nvPr/>
+            </p:nvPicPr>
+            <p:blipFill>
+              <a:blip r:embed="rId3"/>
+              <a:stretch>
+                <a:fillRect/>
+              </a:stretch>
+            </p:blipFill>
+            <p:spPr>
+              <a:xfrm>
+                <a:off x="1302840" y="2586960"/>
+                <a:ext cx="2234520" cy="287280"/>
+              </a:xfrm>
+              <a:prstGeom prst="rect">
+                <a:avLst/>
+              </a:prstGeom>
+            </p:spPr>
+          </p:pic>
+        </mc:Fallback>
+      </mc:AlternateContent>
     </p:spTree>
   </p:cSld>
   <p:clrMapOvr>
